--- a/Documents/presentaties/Webapp-presentatie.pptx
+++ b/Documents/presentaties/Webapp-presentatie.pptx
@@ -6,7 +6,11 @@
   </p:sldMasterIdLst>
   <p:sldIdLst>
     <p:sldId id="256" r:id="rId2"/>
-    <p:sldId id="257" r:id="rId3"/>
+    <p:sldId id="258" r:id="rId3"/>
+    <p:sldId id="259" r:id="rId4"/>
+    <p:sldId id="260" r:id="rId5"/>
+    <p:sldId id="261" r:id="rId6"/>
+    <p:sldId id="262" r:id="rId7"/>
   </p:sldIdLst>
   <p:sldSz cx="12192000" cy="6858000"/>
   <p:notesSz cx="6858000" cy="9144000"/>
@@ -105,7 +109,16 @@
       </a:defRPr>
     </a:lvl9pPr>
   </p:defaultTextStyle>
+  <p:extLst>
+    <p:ext uri="{EFAFB233-063F-42B5-8137-9DF3F51BA10A}">
+      <p15:sldGuideLst xmlns:p15="http://schemas.microsoft.com/office/powerpoint/2012/main"/>
+    </p:ext>
+  </p:extLst>
 </p:presentation>
+</file>
+
+<file path=ppt/revisionInfo.xml><?xml version="1.0" encoding="utf-8"?>
+<p1510:revInfo xmlns:a="http://schemas.openxmlformats.org/drawingml/2006/main" xmlns:r="http://schemas.openxmlformats.org/officeDocument/2006/relationships" xmlns:p1510="http://schemas.microsoft.com/office/powerpoint/2015/10/main"/>
 </file>
 
 <file path=ppt/slideLayouts/slideLayout1.xml><?xml version="1.0" encoding="utf-8"?>
@@ -284,7 +297,7 @@
           <a:p>
             <a:fld id="{96DFF08F-DC6B-4601-B491-B0F83F6DD2DA}" type="datetimeFigureOut">
               <a:rPr lang="en-US" dirty="0"/>
-              <a:t>6/1/2017</a:t>
+              <a:t>6/2/2017</a:t>
             </a:fld>
             <a:endParaRPr lang="en-US" dirty="0"/>
           </a:p>
@@ -449,7 +462,7 @@
           <a:p>
             <a:fld id="{96DFF08F-DC6B-4601-B491-B0F83F6DD2DA}" type="datetimeFigureOut">
               <a:rPr lang="en-US" dirty="0"/>
-              <a:t>6/1/2017</a:t>
+              <a:t>6/2/2017</a:t>
             </a:fld>
             <a:endParaRPr lang="en-US" dirty="0"/>
           </a:p>
@@ -667,7 +680,7 @@
           <a:p>
             <a:fld id="{96DFF08F-DC6B-4601-B491-B0F83F6DD2DA}" type="datetimeFigureOut">
               <a:rPr lang="en-US" dirty="0"/>
-              <a:t>6/1/2017</a:t>
+              <a:t>6/2/2017</a:t>
             </a:fld>
             <a:endParaRPr lang="en-US" dirty="0"/>
           </a:p>
@@ -842,7 +855,7 @@
           <a:p>
             <a:fld id="{96DFF08F-DC6B-4601-B491-B0F83F6DD2DA}" type="datetimeFigureOut">
               <a:rPr lang="en-US" dirty="0"/>
-              <a:t>6/1/2017</a:t>
+              <a:t>6/2/2017</a:t>
             </a:fld>
             <a:endParaRPr lang="en-US" dirty="0"/>
           </a:p>
@@ -1144,7 +1157,7 @@
             <a:fld id="{96DFF08F-DC6B-4601-B491-B0F83F6DD2DA}" type="datetimeFigureOut">
               <a:rPr lang="en-US" dirty="0"/>
               <a:pPr/>
-              <a:t>6/1/2017</a:t>
+              <a:t>6/2/2017</a:t>
             </a:fld>
             <a:endParaRPr lang="en-US" dirty="0"/>
           </a:p>
@@ -1444,7 +1457,7 @@
           <a:p>
             <a:fld id="{96DFF08F-DC6B-4601-B491-B0F83F6DD2DA}" type="datetimeFigureOut">
               <a:rPr lang="en-US" dirty="0"/>
-              <a:t>6/1/2017</a:t>
+              <a:t>6/2/2017</a:t>
             </a:fld>
             <a:endParaRPr lang="en-US" dirty="0"/>
           </a:p>
@@ -1861,7 +1874,7 @@
           <a:p>
             <a:fld id="{96DFF08F-DC6B-4601-B491-B0F83F6DD2DA}" type="datetimeFigureOut">
               <a:rPr lang="en-US" dirty="0"/>
-              <a:t>6/1/2017</a:t>
+              <a:t>6/2/2017</a:t>
             </a:fld>
             <a:endParaRPr lang="en-US" dirty="0"/>
           </a:p>
@@ -1974,7 +1987,7 @@
           <a:p>
             <a:fld id="{96DFF08F-DC6B-4601-B491-B0F83F6DD2DA}" type="datetimeFigureOut">
               <a:rPr lang="en-US" dirty="0"/>
-              <a:t>6/1/2017</a:t>
+              <a:t>6/2/2017</a:t>
             </a:fld>
             <a:endParaRPr lang="en-US" dirty="0"/>
           </a:p>
@@ -2064,7 +2077,7 @@
           <a:p>
             <a:fld id="{96DFF08F-DC6B-4601-B491-B0F83F6DD2DA}" type="datetimeFigureOut">
               <a:rPr lang="en-US" dirty="0"/>
-              <a:t>6/1/2017</a:t>
+              <a:t>6/2/2017</a:t>
             </a:fld>
             <a:endParaRPr lang="en-US" dirty="0"/>
           </a:p>
@@ -2332,7 +2345,7 @@
           <a:p>
             <a:fld id="{96DFF08F-DC6B-4601-B491-B0F83F6DD2DA}" type="datetimeFigureOut">
               <a:rPr lang="en-US" dirty="0"/>
-              <a:t>6/1/2017</a:t>
+              <a:t>6/2/2017</a:t>
             </a:fld>
             <a:endParaRPr lang="en-US" dirty="0"/>
           </a:p>
@@ -2592,7 +2605,7 @@
           <a:p>
             <a:fld id="{96DFF08F-DC6B-4601-B491-B0F83F6DD2DA}" type="datetimeFigureOut">
               <a:rPr lang="en-US" dirty="0"/>
-              <a:t>6/1/2017</a:t>
+              <a:t>6/2/2017</a:t>
             </a:fld>
             <a:endParaRPr lang="en-US" dirty="0"/>
           </a:p>
@@ -2837,7 +2850,7 @@
             <a:fld id="{96DFF08F-DC6B-4601-B491-B0F83F6DD2DA}" type="datetimeFigureOut">
               <a:rPr lang="en-US" dirty="0"/>
               <a:pPr/>
-              <a:t>6/1/2017</a:t>
+              <a:t>6/2/2017</a:t>
             </a:fld>
             <a:endParaRPr lang="en-US" dirty="0"/>
           </a:p>
@@ -3672,7 +3685,10 @@
           <a:bodyPr/>
           <a:lstStyle/>
           <a:p>
-            <a:endParaRPr lang="nl-NL"/>
+            <a:r>
+              <a:rPr lang="nl-NL" dirty="0"/>
+              <a:t>Inhoud</a:t>
+            </a:r>
           </a:p>
         </p:txBody>
       </p:sp>
@@ -3686,19 +3702,508 @@
             <p:ph idx="1"/>
           </p:nvPr>
         </p:nvSpPr>
-        <p:spPr/>
-        <p:txBody>
-          <a:bodyPr/>
-          <a:lstStyle/>
-          <a:p>
-            <a:endParaRPr lang="nl-NL"/>
+        <p:spPr>
+          <a:xfrm>
+            <a:off x="1202919" y="2011680"/>
+            <a:ext cx="9784080" cy="2433320"/>
+          </a:xfrm>
+        </p:spPr>
+        <p:txBody>
+          <a:bodyPr/>
+          <a:lstStyle/>
+          <a:p>
+            <a:r>
+              <a:rPr lang="nl-NL" b="1" dirty="0"/>
+              <a:t>Must have</a:t>
+            </a:r>
+          </a:p>
+          <a:p>
+            <a:r>
+              <a:rPr lang="nl-NL" b="1" dirty="0" err="1"/>
+              <a:t>Should</a:t>
+            </a:r>
+            <a:r>
+              <a:rPr lang="nl-NL" b="1" dirty="0"/>
+              <a:t> have</a:t>
+            </a:r>
+          </a:p>
+          <a:p>
+            <a:r>
+              <a:rPr lang="nl-NL" b="1" dirty="0" err="1"/>
+              <a:t>Could</a:t>
+            </a:r>
+            <a:r>
+              <a:rPr lang="nl-NL" b="1" dirty="0"/>
+              <a:t> have</a:t>
+            </a:r>
+          </a:p>
+          <a:p>
+            <a:r>
+              <a:rPr lang="nl-NL" b="1" dirty="0" err="1"/>
+              <a:t>Won’t</a:t>
+            </a:r>
+            <a:r>
+              <a:rPr lang="nl-NL" b="1" dirty="0"/>
+              <a:t> have</a:t>
+            </a:r>
+          </a:p>
+          <a:p>
+            <a:endParaRPr lang="nl-NL" dirty="0"/>
           </a:p>
         </p:txBody>
       </p:sp>
     </p:spTree>
     <p:extLst>
       <p:ext uri="{BB962C8B-B14F-4D97-AF65-F5344CB8AC3E}">
-        <p14:creationId xmlns:p14="http://schemas.microsoft.com/office/powerpoint/2010/main" val="1404162404"/>
+        <p14:creationId xmlns:p14="http://schemas.microsoft.com/office/powerpoint/2010/main" val="3492265421"/>
+      </p:ext>
+    </p:extLst>
+  </p:cSld>
+  <p:clrMapOvr>
+    <a:masterClrMapping/>
+  </p:clrMapOvr>
+</p:sld>
+</file>
+
+<file path=ppt/slides/slide3.xml><?xml version="1.0" encoding="utf-8"?>
+<p:sld xmlns:a="http://schemas.openxmlformats.org/drawingml/2006/main" xmlns:r="http://schemas.openxmlformats.org/officeDocument/2006/relationships" xmlns:p="http://schemas.openxmlformats.org/presentationml/2006/main">
+  <p:cSld>
+    <p:spTree>
+      <p:nvGrpSpPr>
+        <p:cNvPr id="1" name=""/>
+        <p:cNvGrpSpPr/>
+        <p:nvPr/>
+      </p:nvGrpSpPr>
+      <p:grpSpPr>
+        <a:xfrm>
+          <a:off x="0" y="0"/>
+          <a:ext cx="0" cy="0"/>
+          <a:chOff x="0" y="0"/>
+          <a:chExt cx="0" cy="0"/>
+        </a:xfrm>
+      </p:grpSpPr>
+      <p:sp>
+        <p:nvSpPr>
+          <p:cNvPr id="2" name="Titel 1"/>
+          <p:cNvSpPr>
+            <a:spLocks noGrp="1"/>
+          </p:cNvSpPr>
+          <p:nvPr>
+            <p:ph type="title"/>
+          </p:nvPr>
+        </p:nvSpPr>
+        <p:spPr/>
+        <p:txBody>
+          <a:bodyPr/>
+          <a:lstStyle/>
+          <a:p>
+            <a:r>
+              <a:rPr lang="nl-NL" dirty="0"/>
+              <a:t>Must have</a:t>
+            </a:r>
+          </a:p>
+        </p:txBody>
+      </p:sp>
+      <p:sp>
+        <p:nvSpPr>
+          <p:cNvPr id="3" name="Tijdelijke aanduiding voor inhoud 2"/>
+          <p:cNvSpPr>
+            <a:spLocks noGrp="1"/>
+          </p:cNvSpPr>
+          <p:nvPr>
+            <p:ph idx="1"/>
+          </p:nvPr>
+        </p:nvSpPr>
+        <p:spPr/>
+        <p:txBody>
+          <a:bodyPr>
+            <a:normAutofit lnSpcReduction="10000"/>
+          </a:bodyPr>
+          <a:lstStyle/>
+          <a:p>
+            <a:pPr lvl="0"/>
+            <a:r>
+              <a:rPr lang="nl-NL" dirty="0"/>
+              <a:t>Overzicht over gehele toernooi</a:t>
+            </a:r>
+          </a:p>
+          <a:p>
+            <a:pPr lvl="0"/>
+            <a:r>
+              <a:rPr lang="nl-NL" dirty="0"/>
+              <a:t>Website</a:t>
+            </a:r>
+          </a:p>
+          <a:p>
+            <a:pPr lvl="0"/>
+            <a:r>
+              <a:rPr lang="nl-NL" dirty="0"/>
+              <a:t>Database</a:t>
+            </a:r>
+          </a:p>
+          <a:p>
+            <a:pPr lvl="0"/>
+            <a:r>
+              <a:rPr lang="nl-NL" dirty="0"/>
+              <a:t>Invoer voor teams en spelers</a:t>
+            </a:r>
+          </a:p>
+          <a:p>
+            <a:pPr lvl="0"/>
+            <a:r>
+              <a:rPr lang="nl-NL" dirty="0"/>
+              <a:t>Invoer voor </a:t>
+            </a:r>
+            <a:r>
+              <a:rPr lang="nl-NL" dirty="0" err="1"/>
+              <a:t>finals</a:t>
+            </a:r>
+            <a:endParaRPr lang="nl-NL" dirty="0"/>
+          </a:p>
+          <a:p>
+            <a:pPr lvl="0"/>
+            <a:r>
+              <a:rPr lang="nl-NL" dirty="0"/>
+              <a:t>Invoer voor resultaten</a:t>
+            </a:r>
+          </a:p>
+          <a:p>
+            <a:pPr lvl="0"/>
+            <a:r>
+              <a:rPr lang="nl-NL" dirty="0"/>
+              <a:t>Display voor Resultaten</a:t>
+            </a:r>
+          </a:p>
+          <a:p>
+            <a:pPr lvl="0"/>
+            <a:r>
+              <a:rPr lang="nl-NL" dirty="0" err="1"/>
+              <a:t>Admin</a:t>
+            </a:r>
+            <a:r>
+              <a:rPr lang="nl-NL" dirty="0"/>
+              <a:t> account</a:t>
+            </a:r>
+          </a:p>
+          <a:p>
+            <a:pPr lvl="0"/>
+            <a:r>
+              <a:rPr lang="nl-NL" dirty="0"/>
+              <a:t>Zakelijk uiterlijk</a:t>
+            </a:r>
+          </a:p>
+          <a:p>
+            <a:pPr marL="0" indent="0">
+              <a:buNone/>
+            </a:pPr>
+            <a:endParaRPr lang="nl-NL" dirty="0"/>
+          </a:p>
+        </p:txBody>
+      </p:sp>
+    </p:spTree>
+    <p:extLst>
+      <p:ext uri="{BB962C8B-B14F-4D97-AF65-F5344CB8AC3E}">
+        <p14:creationId xmlns:p14="http://schemas.microsoft.com/office/powerpoint/2010/main" val="760543497"/>
+      </p:ext>
+    </p:extLst>
+  </p:cSld>
+  <p:clrMapOvr>
+    <a:masterClrMapping/>
+  </p:clrMapOvr>
+</p:sld>
+</file>
+
+<file path=ppt/slides/slide4.xml><?xml version="1.0" encoding="utf-8"?>
+<p:sld xmlns:a="http://schemas.openxmlformats.org/drawingml/2006/main" xmlns:r="http://schemas.openxmlformats.org/officeDocument/2006/relationships" xmlns:p="http://schemas.openxmlformats.org/presentationml/2006/main">
+  <p:cSld>
+    <p:spTree>
+      <p:nvGrpSpPr>
+        <p:cNvPr id="1" name=""/>
+        <p:cNvGrpSpPr/>
+        <p:nvPr/>
+      </p:nvGrpSpPr>
+      <p:grpSpPr>
+        <a:xfrm>
+          <a:off x="0" y="0"/>
+          <a:ext cx="0" cy="0"/>
+          <a:chOff x="0" y="0"/>
+          <a:chExt cx="0" cy="0"/>
+        </a:xfrm>
+      </p:grpSpPr>
+      <p:sp>
+        <p:nvSpPr>
+          <p:cNvPr id="2" name="Titel 1"/>
+          <p:cNvSpPr>
+            <a:spLocks noGrp="1"/>
+          </p:cNvSpPr>
+          <p:nvPr>
+            <p:ph type="title"/>
+          </p:nvPr>
+        </p:nvSpPr>
+        <p:spPr/>
+        <p:txBody>
+          <a:bodyPr/>
+          <a:lstStyle/>
+          <a:p>
+            <a:r>
+              <a:rPr lang="nl-NL" dirty="0" err="1"/>
+              <a:t>Should</a:t>
+            </a:r>
+            <a:r>
+              <a:rPr lang="nl-NL" dirty="0"/>
+              <a:t> have</a:t>
+            </a:r>
+          </a:p>
+        </p:txBody>
+      </p:sp>
+      <p:sp>
+        <p:nvSpPr>
+          <p:cNvPr id="3" name="Tijdelijke aanduiding voor inhoud 2"/>
+          <p:cNvSpPr>
+            <a:spLocks noGrp="1"/>
+          </p:cNvSpPr>
+          <p:nvPr>
+            <p:ph idx="1"/>
+          </p:nvPr>
+        </p:nvSpPr>
+        <p:spPr/>
+        <p:txBody>
+          <a:bodyPr/>
+          <a:lstStyle/>
+          <a:p>
+            <a:pPr lvl="0"/>
+            <a:r>
+              <a:rPr lang="nl-NL" dirty="0"/>
+              <a:t>Aangeven hoeveelheid teams</a:t>
+            </a:r>
+          </a:p>
+          <a:p>
+            <a:pPr lvl="0"/>
+            <a:r>
+              <a:rPr lang="nl-NL" dirty="0"/>
+              <a:t>Aangeven hoeveelheid spelers</a:t>
+            </a:r>
+          </a:p>
+          <a:p>
+            <a:pPr lvl="0"/>
+            <a:r>
+              <a:rPr lang="nl-NL" dirty="0"/>
+              <a:t>Download knop voor </a:t>
+            </a:r>
+            <a:r>
+              <a:rPr lang="nl-NL" dirty="0" err="1"/>
+              <a:t>applicate</a:t>
+            </a:r>
+            <a:endParaRPr lang="nl-NL" dirty="0"/>
+          </a:p>
+          <a:p>
+            <a:endParaRPr lang="nl-NL" dirty="0"/>
+          </a:p>
+        </p:txBody>
+      </p:sp>
+    </p:spTree>
+    <p:extLst>
+      <p:ext uri="{BB962C8B-B14F-4D97-AF65-F5344CB8AC3E}">
+        <p14:creationId xmlns:p14="http://schemas.microsoft.com/office/powerpoint/2010/main" val="2571181618"/>
+      </p:ext>
+    </p:extLst>
+  </p:cSld>
+  <p:clrMapOvr>
+    <a:masterClrMapping/>
+  </p:clrMapOvr>
+</p:sld>
+</file>
+
+<file path=ppt/slides/slide5.xml><?xml version="1.0" encoding="utf-8"?>
+<p:sld xmlns:a="http://schemas.openxmlformats.org/drawingml/2006/main" xmlns:r="http://schemas.openxmlformats.org/officeDocument/2006/relationships" xmlns:p="http://schemas.openxmlformats.org/presentationml/2006/main">
+  <p:cSld>
+    <p:spTree>
+      <p:nvGrpSpPr>
+        <p:cNvPr id="1" name=""/>
+        <p:cNvGrpSpPr/>
+        <p:nvPr/>
+      </p:nvGrpSpPr>
+      <p:grpSpPr>
+        <a:xfrm>
+          <a:off x="0" y="0"/>
+          <a:ext cx="0" cy="0"/>
+          <a:chOff x="0" y="0"/>
+          <a:chExt cx="0" cy="0"/>
+        </a:xfrm>
+      </p:grpSpPr>
+      <p:sp>
+        <p:nvSpPr>
+          <p:cNvPr id="2" name="Titel 1"/>
+          <p:cNvSpPr>
+            <a:spLocks noGrp="1"/>
+          </p:cNvSpPr>
+          <p:nvPr>
+            <p:ph type="title"/>
+          </p:nvPr>
+        </p:nvSpPr>
+        <p:spPr/>
+        <p:txBody>
+          <a:bodyPr/>
+          <a:lstStyle/>
+          <a:p>
+            <a:r>
+              <a:rPr lang="nl-NL" dirty="0" err="1"/>
+              <a:t>Could</a:t>
+            </a:r>
+            <a:r>
+              <a:rPr lang="nl-NL" dirty="0"/>
+              <a:t> have</a:t>
+            </a:r>
+          </a:p>
+        </p:txBody>
+      </p:sp>
+      <p:sp>
+        <p:nvSpPr>
+          <p:cNvPr id="3" name="Tijdelijke aanduiding voor inhoud 2"/>
+          <p:cNvSpPr>
+            <a:spLocks noGrp="1"/>
+          </p:cNvSpPr>
+          <p:nvPr>
+            <p:ph idx="1"/>
+          </p:nvPr>
+        </p:nvSpPr>
+        <p:spPr/>
+        <p:txBody>
+          <a:bodyPr/>
+          <a:lstStyle/>
+          <a:p>
+            <a:pPr lvl="0"/>
+            <a:r>
+              <a:rPr lang="nl-NL" dirty="0"/>
+              <a:t>Inloggen op de website</a:t>
+            </a:r>
+          </a:p>
+          <a:p>
+            <a:pPr lvl="0"/>
+            <a:r>
+              <a:rPr lang="nl-NL" dirty="0"/>
+              <a:t>Mensen die worden gebruikt moeten geregistreerde users zijn</a:t>
+            </a:r>
+          </a:p>
+          <a:p>
+            <a:pPr lvl="0"/>
+            <a:r>
+              <a:rPr lang="nl-NL" dirty="0"/>
+              <a:t>Logo</a:t>
+            </a:r>
+          </a:p>
+          <a:p>
+            <a:pPr lvl="0"/>
+            <a:r>
+              <a:rPr lang="nl-NL" dirty="0"/>
+              <a:t>Slideshow met leuke afbeelding</a:t>
+            </a:r>
+          </a:p>
+          <a:p>
+            <a:pPr lvl="0"/>
+            <a:r>
+              <a:rPr lang="nl-NL" dirty="0"/>
+              <a:t>Tutorial video</a:t>
+            </a:r>
+          </a:p>
+          <a:p>
+            <a:endParaRPr lang="nl-NL" dirty="0"/>
+          </a:p>
+        </p:txBody>
+      </p:sp>
+    </p:spTree>
+    <p:extLst>
+      <p:ext uri="{BB962C8B-B14F-4D97-AF65-F5344CB8AC3E}">
+        <p14:creationId xmlns:p14="http://schemas.microsoft.com/office/powerpoint/2010/main" val="657544024"/>
+      </p:ext>
+    </p:extLst>
+  </p:cSld>
+  <p:clrMapOvr>
+    <a:masterClrMapping/>
+  </p:clrMapOvr>
+</p:sld>
+</file>
+
+<file path=ppt/slides/slide6.xml><?xml version="1.0" encoding="utf-8"?>
+<p:sld xmlns:a="http://schemas.openxmlformats.org/drawingml/2006/main" xmlns:r="http://schemas.openxmlformats.org/officeDocument/2006/relationships" xmlns:p="http://schemas.openxmlformats.org/presentationml/2006/main">
+  <p:cSld>
+    <p:spTree>
+      <p:nvGrpSpPr>
+        <p:cNvPr id="1" name=""/>
+        <p:cNvGrpSpPr/>
+        <p:nvPr/>
+      </p:nvGrpSpPr>
+      <p:grpSpPr>
+        <a:xfrm>
+          <a:off x="0" y="0"/>
+          <a:ext cx="0" cy="0"/>
+          <a:chOff x="0" y="0"/>
+          <a:chExt cx="0" cy="0"/>
+        </a:xfrm>
+      </p:grpSpPr>
+      <p:sp>
+        <p:nvSpPr>
+          <p:cNvPr id="2" name="Titel 1"/>
+          <p:cNvSpPr>
+            <a:spLocks noGrp="1"/>
+          </p:cNvSpPr>
+          <p:nvPr>
+            <p:ph type="title"/>
+          </p:nvPr>
+        </p:nvSpPr>
+        <p:spPr/>
+        <p:txBody>
+          <a:bodyPr/>
+          <a:lstStyle/>
+          <a:p>
+            <a:r>
+              <a:rPr lang="nl-NL" dirty="0" err="1"/>
+              <a:t>Won’t</a:t>
+            </a:r>
+            <a:r>
+              <a:rPr lang="nl-NL" dirty="0"/>
+              <a:t> have</a:t>
+            </a:r>
+          </a:p>
+        </p:txBody>
+      </p:sp>
+      <p:sp>
+        <p:nvSpPr>
+          <p:cNvPr id="3" name="Tijdelijke aanduiding voor inhoud 2"/>
+          <p:cNvSpPr>
+            <a:spLocks noGrp="1"/>
+          </p:cNvSpPr>
+          <p:nvPr>
+            <p:ph idx="1"/>
+          </p:nvPr>
+        </p:nvSpPr>
+        <p:spPr/>
+        <p:txBody>
+          <a:bodyPr/>
+          <a:lstStyle/>
+          <a:p>
+            <a:pPr lvl="0"/>
+            <a:r>
+              <a:rPr lang="nl-NL" dirty="0"/>
+              <a:t>Mobiele website</a:t>
+            </a:r>
+          </a:p>
+          <a:p>
+            <a:pPr lvl="0"/>
+            <a:r>
+              <a:rPr lang="nl-NL"/>
+              <a:t>Veel vrolijke kleuren</a:t>
+            </a:r>
+          </a:p>
+          <a:p>
+            <a:endParaRPr lang="nl-NL" dirty="0"/>
+          </a:p>
+        </p:txBody>
+      </p:sp>
+    </p:spTree>
+    <p:extLst>
+      <p:ext uri="{BB962C8B-B14F-4D97-AF65-F5344CB8AC3E}">
+        <p14:creationId xmlns:p14="http://schemas.microsoft.com/office/powerpoint/2010/main" val="3766687524"/>
       </p:ext>
     </p:extLst>
   </p:cSld>
